--- a/PESU I:O ML PROJECT.pptx
+++ b/PESU I:O ML PROJECT.pptx
@@ -18,7 +18,6 @@
     <p:sldId id="263" r:id="rId15"/>
     <p:sldId id="264" r:id="rId16"/>
     <p:sldId id="265" r:id="rId17"/>
-    <p:sldId id="266" r:id="rId18"/>
   </p:sldIdLst>
   <p:sldSz cx="13004800" cy="9753600"/>
   <p:notesSz cx="6858000" cy="9144000"/>
@@ -64,7 +63,7 @@
       <a:buFontTx/>
       <a:buNone/>
       <a:tabLst/>
-      <a:defRPr b="1" baseline="0" cap="none" i="0" spc="0" strike="noStrike" sz="2400" u="none" kumimoji="0" normalizeH="0">
+      <a:defRPr b="0" baseline="0" cap="none" i="0" spc="0" strike="noStrike" sz="2400" u="none" kumimoji="0" normalizeH="0">
         <a:ln>
           <a:noFill/>
         </a:ln>
@@ -73,13 +72,13 @@
         </a:solidFill>
         <a:effectLst/>
         <a:uFillTx/>
-        <a:latin typeface="Helvetica Neue"/>
-        <a:ea typeface="Helvetica Neue"/>
-        <a:cs typeface="Helvetica Neue"/>
-        <a:sym typeface="Helvetica Neue"/>
+        <a:latin typeface="Helvetica Neue Medium"/>
+        <a:ea typeface="Helvetica Neue Medium"/>
+        <a:cs typeface="Helvetica Neue Medium"/>
+        <a:sym typeface="Helvetica Neue Medium"/>
       </a:defRPr>
     </a:lvl1pPr>
-    <a:lvl2pPr marL="0" marR="0" indent="228600" algn="ctr" defTabSz="584200" rtl="0" fontAlgn="auto" latinLnBrk="0" hangingPunct="0">
+    <a:lvl2pPr marL="0" marR="0" indent="0" algn="ctr" defTabSz="584200" rtl="0" fontAlgn="auto" latinLnBrk="0" hangingPunct="0">
       <a:lnSpc>
         <a:spcPct val="100000"/>
       </a:lnSpc>
@@ -94,7 +93,7 @@
       <a:buFontTx/>
       <a:buNone/>
       <a:tabLst/>
-      <a:defRPr b="1" baseline="0" cap="none" i="0" spc="0" strike="noStrike" sz="2400" u="none" kumimoji="0" normalizeH="0">
+      <a:defRPr b="0" baseline="0" cap="none" i="0" spc="0" strike="noStrike" sz="2400" u="none" kumimoji="0" normalizeH="0">
         <a:ln>
           <a:noFill/>
         </a:ln>
@@ -103,13 +102,13 @@
         </a:solidFill>
         <a:effectLst/>
         <a:uFillTx/>
-        <a:latin typeface="Helvetica Neue"/>
-        <a:ea typeface="Helvetica Neue"/>
-        <a:cs typeface="Helvetica Neue"/>
-        <a:sym typeface="Helvetica Neue"/>
+        <a:latin typeface="Helvetica Neue Medium"/>
+        <a:ea typeface="Helvetica Neue Medium"/>
+        <a:cs typeface="Helvetica Neue Medium"/>
+        <a:sym typeface="Helvetica Neue Medium"/>
       </a:defRPr>
     </a:lvl2pPr>
-    <a:lvl3pPr marL="0" marR="0" indent="457200" algn="ctr" defTabSz="584200" rtl="0" fontAlgn="auto" latinLnBrk="0" hangingPunct="0">
+    <a:lvl3pPr marL="0" marR="0" indent="0" algn="ctr" defTabSz="584200" rtl="0" fontAlgn="auto" latinLnBrk="0" hangingPunct="0">
       <a:lnSpc>
         <a:spcPct val="100000"/>
       </a:lnSpc>
@@ -124,7 +123,7 @@
       <a:buFontTx/>
       <a:buNone/>
       <a:tabLst/>
-      <a:defRPr b="1" baseline="0" cap="none" i="0" spc="0" strike="noStrike" sz="2400" u="none" kumimoji="0" normalizeH="0">
+      <a:defRPr b="0" baseline="0" cap="none" i="0" spc="0" strike="noStrike" sz="2400" u="none" kumimoji="0" normalizeH="0">
         <a:ln>
           <a:noFill/>
         </a:ln>
@@ -133,13 +132,13 @@
         </a:solidFill>
         <a:effectLst/>
         <a:uFillTx/>
-        <a:latin typeface="Helvetica Neue"/>
-        <a:ea typeface="Helvetica Neue"/>
-        <a:cs typeface="Helvetica Neue"/>
-        <a:sym typeface="Helvetica Neue"/>
+        <a:latin typeface="Helvetica Neue Medium"/>
+        <a:ea typeface="Helvetica Neue Medium"/>
+        <a:cs typeface="Helvetica Neue Medium"/>
+        <a:sym typeface="Helvetica Neue Medium"/>
       </a:defRPr>
     </a:lvl3pPr>
-    <a:lvl4pPr marL="0" marR="0" indent="685800" algn="ctr" defTabSz="584200" rtl="0" fontAlgn="auto" latinLnBrk="0" hangingPunct="0">
+    <a:lvl4pPr marL="0" marR="0" indent="0" algn="ctr" defTabSz="584200" rtl="0" fontAlgn="auto" latinLnBrk="0" hangingPunct="0">
       <a:lnSpc>
         <a:spcPct val="100000"/>
       </a:lnSpc>
@@ -154,7 +153,7 @@
       <a:buFontTx/>
       <a:buNone/>
       <a:tabLst/>
-      <a:defRPr b="1" baseline="0" cap="none" i="0" spc="0" strike="noStrike" sz="2400" u="none" kumimoji="0" normalizeH="0">
+      <a:defRPr b="0" baseline="0" cap="none" i="0" spc="0" strike="noStrike" sz="2400" u="none" kumimoji="0" normalizeH="0">
         <a:ln>
           <a:noFill/>
         </a:ln>
@@ -163,13 +162,13 @@
         </a:solidFill>
         <a:effectLst/>
         <a:uFillTx/>
-        <a:latin typeface="Helvetica Neue"/>
-        <a:ea typeface="Helvetica Neue"/>
-        <a:cs typeface="Helvetica Neue"/>
-        <a:sym typeface="Helvetica Neue"/>
+        <a:latin typeface="Helvetica Neue Medium"/>
+        <a:ea typeface="Helvetica Neue Medium"/>
+        <a:cs typeface="Helvetica Neue Medium"/>
+        <a:sym typeface="Helvetica Neue Medium"/>
       </a:defRPr>
     </a:lvl4pPr>
-    <a:lvl5pPr marL="0" marR="0" indent="914400" algn="ctr" defTabSz="584200" rtl="0" fontAlgn="auto" latinLnBrk="0" hangingPunct="0">
+    <a:lvl5pPr marL="0" marR="0" indent="0" algn="ctr" defTabSz="584200" rtl="0" fontAlgn="auto" latinLnBrk="0" hangingPunct="0">
       <a:lnSpc>
         <a:spcPct val="100000"/>
       </a:lnSpc>
@@ -184,7 +183,7 @@
       <a:buFontTx/>
       <a:buNone/>
       <a:tabLst/>
-      <a:defRPr b="1" baseline="0" cap="none" i="0" spc="0" strike="noStrike" sz="2400" u="none" kumimoji="0" normalizeH="0">
+      <a:defRPr b="0" baseline="0" cap="none" i="0" spc="0" strike="noStrike" sz="2400" u="none" kumimoji="0" normalizeH="0">
         <a:ln>
           <a:noFill/>
         </a:ln>
@@ -193,13 +192,13 @@
         </a:solidFill>
         <a:effectLst/>
         <a:uFillTx/>
-        <a:latin typeface="Helvetica Neue"/>
-        <a:ea typeface="Helvetica Neue"/>
-        <a:cs typeface="Helvetica Neue"/>
-        <a:sym typeface="Helvetica Neue"/>
+        <a:latin typeface="Helvetica Neue Medium"/>
+        <a:ea typeface="Helvetica Neue Medium"/>
+        <a:cs typeface="Helvetica Neue Medium"/>
+        <a:sym typeface="Helvetica Neue Medium"/>
       </a:defRPr>
     </a:lvl5pPr>
-    <a:lvl6pPr marL="0" marR="0" indent="1143000" algn="ctr" defTabSz="584200" rtl="0" fontAlgn="auto" latinLnBrk="0" hangingPunct="0">
+    <a:lvl6pPr marL="0" marR="0" indent="0" algn="ctr" defTabSz="584200" rtl="0" fontAlgn="auto" latinLnBrk="0" hangingPunct="0">
       <a:lnSpc>
         <a:spcPct val="100000"/>
       </a:lnSpc>
@@ -214,7 +213,7 @@
       <a:buFontTx/>
       <a:buNone/>
       <a:tabLst/>
-      <a:defRPr b="1" baseline="0" cap="none" i="0" spc="0" strike="noStrike" sz="2400" u="none" kumimoji="0" normalizeH="0">
+      <a:defRPr b="0" baseline="0" cap="none" i="0" spc="0" strike="noStrike" sz="2400" u="none" kumimoji="0" normalizeH="0">
         <a:ln>
           <a:noFill/>
         </a:ln>
@@ -223,13 +222,13 @@
         </a:solidFill>
         <a:effectLst/>
         <a:uFillTx/>
-        <a:latin typeface="Helvetica Neue"/>
-        <a:ea typeface="Helvetica Neue"/>
-        <a:cs typeface="Helvetica Neue"/>
-        <a:sym typeface="Helvetica Neue"/>
+        <a:latin typeface="Helvetica Neue Medium"/>
+        <a:ea typeface="Helvetica Neue Medium"/>
+        <a:cs typeface="Helvetica Neue Medium"/>
+        <a:sym typeface="Helvetica Neue Medium"/>
       </a:defRPr>
     </a:lvl6pPr>
-    <a:lvl7pPr marL="0" marR="0" indent="1371600" algn="ctr" defTabSz="584200" rtl="0" fontAlgn="auto" latinLnBrk="0" hangingPunct="0">
+    <a:lvl7pPr marL="0" marR="0" indent="0" algn="ctr" defTabSz="584200" rtl="0" fontAlgn="auto" latinLnBrk="0" hangingPunct="0">
       <a:lnSpc>
         <a:spcPct val="100000"/>
       </a:lnSpc>
@@ -244,7 +243,7 @@
       <a:buFontTx/>
       <a:buNone/>
       <a:tabLst/>
-      <a:defRPr b="1" baseline="0" cap="none" i="0" spc="0" strike="noStrike" sz="2400" u="none" kumimoji="0" normalizeH="0">
+      <a:defRPr b="0" baseline="0" cap="none" i="0" spc="0" strike="noStrike" sz="2400" u="none" kumimoji="0" normalizeH="0">
         <a:ln>
           <a:noFill/>
         </a:ln>
@@ -253,13 +252,13 @@
         </a:solidFill>
         <a:effectLst/>
         <a:uFillTx/>
-        <a:latin typeface="Helvetica Neue"/>
-        <a:ea typeface="Helvetica Neue"/>
-        <a:cs typeface="Helvetica Neue"/>
-        <a:sym typeface="Helvetica Neue"/>
+        <a:latin typeface="Helvetica Neue Medium"/>
+        <a:ea typeface="Helvetica Neue Medium"/>
+        <a:cs typeface="Helvetica Neue Medium"/>
+        <a:sym typeface="Helvetica Neue Medium"/>
       </a:defRPr>
     </a:lvl7pPr>
-    <a:lvl8pPr marL="0" marR="0" indent="1600200" algn="ctr" defTabSz="584200" rtl="0" fontAlgn="auto" latinLnBrk="0" hangingPunct="0">
+    <a:lvl8pPr marL="0" marR="0" indent="0" algn="ctr" defTabSz="584200" rtl="0" fontAlgn="auto" latinLnBrk="0" hangingPunct="0">
       <a:lnSpc>
         <a:spcPct val="100000"/>
       </a:lnSpc>
@@ -274,7 +273,7 @@
       <a:buFontTx/>
       <a:buNone/>
       <a:tabLst/>
-      <a:defRPr b="1" baseline="0" cap="none" i="0" spc="0" strike="noStrike" sz="2400" u="none" kumimoji="0" normalizeH="0">
+      <a:defRPr b="0" baseline="0" cap="none" i="0" spc="0" strike="noStrike" sz="2400" u="none" kumimoji="0" normalizeH="0">
         <a:ln>
           <a:noFill/>
         </a:ln>
@@ -283,13 +282,13 @@
         </a:solidFill>
         <a:effectLst/>
         <a:uFillTx/>
-        <a:latin typeface="Helvetica Neue"/>
-        <a:ea typeface="Helvetica Neue"/>
-        <a:cs typeface="Helvetica Neue"/>
-        <a:sym typeface="Helvetica Neue"/>
+        <a:latin typeface="Helvetica Neue Medium"/>
+        <a:ea typeface="Helvetica Neue Medium"/>
+        <a:cs typeface="Helvetica Neue Medium"/>
+        <a:sym typeface="Helvetica Neue Medium"/>
       </a:defRPr>
     </a:lvl8pPr>
-    <a:lvl9pPr marL="0" marR="0" indent="1828800" algn="ctr" defTabSz="584200" rtl="0" fontAlgn="auto" latinLnBrk="0" hangingPunct="0">
+    <a:lvl9pPr marL="0" marR="0" indent="0" algn="ctr" defTabSz="584200" rtl="0" fontAlgn="auto" latinLnBrk="0" hangingPunct="0">
       <a:lnSpc>
         <a:spcPct val="100000"/>
       </a:lnSpc>
@@ -304,7 +303,7 @@
       <a:buFontTx/>
       <a:buNone/>
       <a:tabLst/>
-      <a:defRPr b="1" baseline="0" cap="none" i="0" spc="0" strike="noStrike" sz="2400" u="none" kumimoji="0" normalizeH="0">
+      <a:defRPr b="0" baseline="0" cap="none" i="0" spc="0" strike="noStrike" sz="2400" u="none" kumimoji="0" normalizeH="0">
         <a:ln>
           <a:noFill/>
         </a:ln>
@@ -313,10 +312,10 @@
         </a:solidFill>
         <a:effectLst/>
         <a:uFillTx/>
-        <a:latin typeface="Helvetica Neue"/>
-        <a:ea typeface="Helvetica Neue"/>
-        <a:cs typeface="Helvetica Neue"/>
-        <a:sym typeface="Helvetica Neue"/>
+        <a:latin typeface="Helvetica Neue Medium"/>
+        <a:ea typeface="Helvetica Neue Medium"/>
+        <a:cs typeface="Helvetica Neue Medium"/>
+        <a:sym typeface="Helvetica Neue Medium"/>
       </a:defRPr>
     </a:lvl9pPr>
   </p:defaultTextStyle>
@@ -403,9 +402,9 @@
         <a:spcPct val="117999"/>
       </a:lnSpc>
       <a:defRPr sz="2200">
-        <a:latin typeface="Helvetica Neue"/>
-        <a:ea typeface="Helvetica Neue"/>
-        <a:cs typeface="Helvetica Neue"/>
+        <a:latin typeface="+mj-lt"/>
+        <a:ea typeface="+mj-ea"/>
+        <a:cs typeface="+mj-cs"/>
         <a:sym typeface="Helvetica Neue"/>
       </a:defRPr>
     </a:lvl1pPr>
@@ -414,9 +413,9 @@
         <a:spcPct val="117999"/>
       </a:lnSpc>
       <a:defRPr sz="2200">
-        <a:latin typeface="Helvetica Neue"/>
-        <a:ea typeface="Helvetica Neue"/>
-        <a:cs typeface="Helvetica Neue"/>
+        <a:latin typeface="+mj-lt"/>
+        <a:ea typeface="+mj-ea"/>
+        <a:cs typeface="+mj-cs"/>
         <a:sym typeface="Helvetica Neue"/>
       </a:defRPr>
     </a:lvl2pPr>
@@ -425,9 +424,9 @@
         <a:spcPct val="117999"/>
       </a:lnSpc>
       <a:defRPr sz="2200">
-        <a:latin typeface="Helvetica Neue"/>
-        <a:ea typeface="Helvetica Neue"/>
-        <a:cs typeface="Helvetica Neue"/>
+        <a:latin typeface="+mj-lt"/>
+        <a:ea typeface="+mj-ea"/>
+        <a:cs typeface="+mj-cs"/>
         <a:sym typeface="Helvetica Neue"/>
       </a:defRPr>
     </a:lvl3pPr>
@@ -436,9 +435,9 @@
         <a:spcPct val="117999"/>
       </a:lnSpc>
       <a:defRPr sz="2200">
-        <a:latin typeface="Helvetica Neue"/>
-        <a:ea typeface="Helvetica Neue"/>
-        <a:cs typeface="Helvetica Neue"/>
+        <a:latin typeface="+mj-lt"/>
+        <a:ea typeface="+mj-ea"/>
+        <a:cs typeface="+mj-cs"/>
         <a:sym typeface="Helvetica Neue"/>
       </a:defRPr>
     </a:lvl4pPr>
@@ -447,9 +446,9 @@
         <a:spcPct val="117999"/>
       </a:lnSpc>
       <a:defRPr sz="2200">
-        <a:latin typeface="Helvetica Neue"/>
-        <a:ea typeface="Helvetica Neue"/>
-        <a:cs typeface="Helvetica Neue"/>
+        <a:latin typeface="+mj-lt"/>
+        <a:ea typeface="+mj-ea"/>
+        <a:cs typeface="+mj-cs"/>
         <a:sym typeface="Helvetica Neue"/>
       </a:defRPr>
     </a:lvl5pPr>
@@ -458,9 +457,9 @@
         <a:spcPct val="117999"/>
       </a:lnSpc>
       <a:defRPr sz="2200">
-        <a:latin typeface="Helvetica Neue"/>
-        <a:ea typeface="Helvetica Neue"/>
-        <a:cs typeface="Helvetica Neue"/>
+        <a:latin typeface="+mj-lt"/>
+        <a:ea typeface="+mj-ea"/>
+        <a:cs typeface="+mj-cs"/>
         <a:sym typeface="Helvetica Neue"/>
       </a:defRPr>
     </a:lvl6pPr>
@@ -469,9 +468,9 @@
         <a:spcPct val="117999"/>
       </a:lnSpc>
       <a:defRPr sz="2200">
-        <a:latin typeface="Helvetica Neue"/>
-        <a:ea typeface="Helvetica Neue"/>
-        <a:cs typeface="Helvetica Neue"/>
+        <a:latin typeface="+mj-lt"/>
+        <a:ea typeface="+mj-ea"/>
+        <a:cs typeface="+mj-cs"/>
         <a:sym typeface="Helvetica Neue"/>
       </a:defRPr>
     </a:lvl7pPr>
@@ -480,9 +479,9 @@
         <a:spcPct val="117999"/>
       </a:lnSpc>
       <a:defRPr sz="2200">
-        <a:latin typeface="Helvetica Neue"/>
-        <a:ea typeface="Helvetica Neue"/>
-        <a:cs typeface="Helvetica Neue"/>
+        <a:latin typeface="+mj-lt"/>
+        <a:ea typeface="+mj-ea"/>
+        <a:cs typeface="+mj-cs"/>
         <a:sym typeface="Helvetica Neue"/>
       </a:defRPr>
     </a:lvl8pPr>
@@ -491,9 +490,9 @@
         <a:spcPct val="117999"/>
       </a:lnSpc>
       <a:defRPr sz="2200">
-        <a:latin typeface="Helvetica Neue"/>
-        <a:ea typeface="Helvetica Neue"/>
-        <a:cs typeface="Helvetica Neue"/>
+        <a:latin typeface="+mj-lt"/>
+        <a:ea typeface="+mj-ea"/>
+        <a:cs typeface="+mj-cs"/>
         <a:sym typeface="Helvetica Neue"/>
       </a:defRPr>
     </a:lvl9pPr>
@@ -698,10 +697,10 @@
       </p:grpSpPr>
       <p:sp>
         <p:nvSpPr>
-          <p:cNvPr id="93" name="–Johnny Appleseed"/>
+          <p:cNvPr id="93" name="Body Level One…"/>
           <p:cNvSpPr txBox="1"/>
           <p:nvPr>
-            <p:ph type="body" sz="quarter" idx="13"/>
+            <p:ph type="body" sz="quarter" idx="1"/>
           </p:nvPr>
         </p:nvSpPr>
         <p:spPr>
@@ -714,9 +713,7 @@
           </a:prstGeom>
         </p:spPr>
         <p:txBody>
-          <a:bodyPr anchor="t">
-            <a:spAutoFit/>
-          </a:bodyPr>
+          <a:bodyPr anchor="t"/>
           <a:lstStyle>
             <a:lvl1pPr marL="0" indent="0" algn="ctr">
               <a:spcBef>
@@ -726,11 +723,59 @@
               <a:buNone/>
               <a:defRPr i="1" sz="2400"/>
             </a:lvl1pPr>
+            <a:lvl2pPr marL="777875" indent="-333375" algn="ctr">
+              <a:spcBef>
+                <a:spcPts val="0"/>
+              </a:spcBef>
+              <a:defRPr i="1" sz="2400"/>
+            </a:lvl2pPr>
+            <a:lvl3pPr marL="1222375" indent="-333375" algn="ctr">
+              <a:spcBef>
+                <a:spcPts val="0"/>
+              </a:spcBef>
+              <a:defRPr i="1" sz="2400"/>
+            </a:lvl3pPr>
+            <a:lvl4pPr marL="1666875" indent="-333375" algn="ctr">
+              <a:spcBef>
+                <a:spcPts val="0"/>
+              </a:spcBef>
+              <a:defRPr i="1" sz="2400"/>
+            </a:lvl4pPr>
+            <a:lvl5pPr marL="2111375" indent="-333375" algn="ctr">
+              <a:spcBef>
+                <a:spcPts val="0"/>
+              </a:spcBef>
+              <a:defRPr i="1" sz="2400"/>
+            </a:lvl5pPr>
           </a:lstStyle>
           <a:p>
             <a:pPr/>
             <a:r>
-              <a:t>–Johnny Appleseed</a:t>
+              <a:t>Body Level One</a:t>
+            </a:r>
+          </a:p>
+          <a:p>
+            <a:pPr lvl="1"/>
+            <a:r>
+              <a:t>Body Level Two</a:t>
+            </a:r>
+          </a:p>
+          <a:p>
+            <a:pPr lvl="2"/>
+            <a:r>
+              <a:t>Body Level Three</a:t>
+            </a:r>
+          </a:p>
+          <a:p>
+            <a:pPr lvl="3"/>
+            <a:r>
+              <a:t>Body Level Four</a:t>
+            </a:r>
+          </a:p>
+          <a:p>
+            <a:pPr lvl="4"/>
+            <a:r>
+              <a:t>Body Level Five</a:t>
             </a:r>
           </a:p>
         </p:txBody>
@@ -740,42 +785,35 @@
           <p:cNvPr id="94" name="“Type a quote here.”"/>
           <p:cNvSpPr txBox="1"/>
           <p:nvPr>
-            <p:ph type="body" sz="quarter" idx="14"/>
+            <p:ph type="body" sz="quarter" idx="13"/>
           </p:nvPr>
         </p:nvSpPr>
         <p:spPr>
           <a:xfrm>
             <a:off x="1270000" y="4267112"/>
-            <a:ext cx="10464800" cy="609776"/>
+            <a:ext cx="10464800" cy="609777"/>
           </a:xfrm>
           <a:prstGeom prst="rect">
             <a:avLst/>
           </a:prstGeom>
         </p:spPr>
         <p:txBody>
-          <a:bodyPr>
-            <a:spAutoFit/>
-          </a:bodyPr>
-          <a:lstStyle>
-            <a:lvl1pPr marL="0" indent="0" algn="ctr">
+          <a:bodyPr/>
+          <a:lstStyle/>
+          <a:p>
+            <a:pPr marL="0" indent="0" algn="ctr">
               <a:spcBef>
                 <a:spcPts val="0"/>
               </a:spcBef>
               <a:buSzTx/>
               <a:buNone/>
               <a:defRPr sz="3400">
-                <a:latin typeface="+mn-lt"/>
-                <a:ea typeface="+mn-ea"/>
-                <a:cs typeface="+mn-cs"/>
+                <a:latin typeface="Helvetica Neue Medium"/>
+                <a:ea typeface="Helvetica Neue Medium"/>
+                <a:cs typeface="Helvetica Neue Medium"/>
                 <a:sym typeface="Helvetica Neue Medium"/>
               </a:defRPr>
-            </a:lvl1pPr>
-          </a:lstStyle>
-          <a:p>
-            <a:pPr/>
-            <a:r>
-              <a:t>“Type a quote here.” </a:t>
-            </a:r>
+            </a:pPr>
           </a:p>
         </p:txBody>
       </p:sp>
@@ -960,8 +998,8 @@
         </p:nvSpPr>
         <p:spPr>
           <a:xfrm>
-            <a:off x="1622088" y="289099"/>
-            <a:ext cx="9753603" cy="6505789"/>
+            <a:off x="1622088" y="289098"/>
+            <a:ext cx="9753604" cy="6505790"/>
           </a:xfrm>
           <a:prstGeom prst="rect">
             <a:avLst/>
@@ -1232,8 +1270,8 @@
         </p:nvSpPr>
         <p:spPr>
           <a:xfrm>
-            <a:off x="2263775" y="613833"/>
-            <a:ext cx="12401550" cy="8267701"/>
+            <a:off x="2263775" y="613832"/>
+            <a:ext cx="12401550" cy="8267702"/>
           </a:xfrm>
           <a:prstGeom prst="rect">
             <a:avLst/>
@@ -1624,8 +1662,8 @@
         </p:nvSpPr>
         <p:spPr>
           <a:xfrm>
-            <a:off x="4086225" y="2586566"/>
-            <a:ext cx="9429750" cy="6286501"/>
+            <a:off x="4086225" y="2586565"/>
+            <a:ext cx="9429750" cy="6286503"/>
           </a:xfrm>
           <a:prstGeom prst="rect">
             <a:avLst/>
@@ -1947,7 +1985,7 @@
         <p:spPr>
           <a:xfrm>
             <a:off x="6502400" y="889000"/>
-            <a:ext cx="5867400" cy="3911601"/>
+            <a:ext cx="5867400" cy="3911602"/>
           </a:xfrm>
           <a:prstGeom prst="rect">
             <a:avLst/>
@@ -2171,7 +2209,7 @@
           </a:bodyPr>
           <a:lstStyle>
             <a:lvl1pPr>
-              <a:defRPr b="0" sz="1600">
+              <a:defRPr sz="1600">
                 <a:latin typeface="Helvetica Neue Light"/>
                 <a:ea typeface="Helvetica Neue Light"/>
                 <a:cs typeface="Helvetica Neue Light"/>
@@ -2225,9 +2263,9 @@
             <a:srgbClr val="000000"/>
           </a:solidFill>
           <a:uFillTx/>
-          <a:latin typeface="+mn-lt"/>
-          <a:ea typeface="+mn-ea"/>
-          <a:cs typeface="+mn-cs"/>
+          <a:latin typeface="Helvetica Neue Medium"/>
+          <a:ea typeface="Helvetica Neue Medium"/>
+          <a:cs typeface="Helvetica Neue Medium"/>
           <a:sym typeface="Helvetica Neue Medium"/>
         </a:defRPr>
       </a:lvl1pPr>
@@ -2251,9 +2289,9 @@
             <a:srgbClr val="000000"/>
           </a:solidFill>
           <a:uFillTx/>
-          <a:latin typeface="+mn-lt"/>
-          <a:ea typeface="+mn-ea"/>
-          <a:cs typeface="+mn-cs"/>
+          <a:latin typeface="Helvetica Neue Medium"/>
+          <a:ea typeface="Helvetica Neue Medium"/>
+          <a:cs typeface="Helvetica Neue Medium"/>
           <a:sym typeface="Helvetica Neue Medium"/>
         </a:defRPr>
       </a:lvl2pPr>
@@ -2277,9 +2315,9 @@
             <a:srgbClr val="000000"/>
           </a:solidFill>
           <a:uFillTx/>
-          <a:latin typeface="+mn-lt"/>
-          <a:ea typeface="+mn-ea"/>
-          <a:cs typeface="+mn-cs"/>
+          <a:latin typeface="Helvetica Neue Medium"/>
+          <a:ea typeface="Helvetica Neue Medium"/>
+          <a:cs typeface="Helvetica Neue Medium"/>
           <a:sym typeface="Helvetica Neue Medium"/>
         </a:defRPr>
       </a:lvl3pPr>
@@ -2303,9 +2341,9 @@
             <a:srgbClr val="000000"/>
           </a:solidFill>
           <a:uFillTx/>
-          <a:latin typeface="+mn-lt"/>
-          <a:ea typeface="+mn-ea"/>
-          <a:cs typeface="+mn-cs"/>
+          <a:latin typeface="Helvetica Neue Medium"/>
+          <a:ea typeface="Helvetica Neue Medium"/>
+          <a:cs typeface="Helvetica Neue Medium"/>
           <a:sym typeface="Helvetica Neue Medium"/>
         </a:defRPr>
       </a:lvl4pPr>
@@ -2329,9 +2367,9 @@
             <a:srgbClr val="000000"/>
           </a:solidFill>
           <a:uFillTx/>
-          <a:latin typeface="+mn-lt"/>
-          <a:ea typeface="+mn-ea"/>
-          <a:cs typeface="+mn-cs"/>
+          <a:latin typeface="Helvetica Neue Medium"/>
+          <a:ea typeface="Helvetica Neue Medium"/>
+          <a:cs typeface="Helvetica Neue Medium"/>
           <a:sym typeface="Helvetica Neue Medium"/>
         </a:defRPr>
       </a:lvl5pPr>
@@ -2355,9 +2393,9 @@
             <a:srgbClr val="000000"/>
           </a:solidFill>
           <a:uFillTx/>
-          <a:latin typeface="+mn-lt"/>
-          <a:ea typeface="+mn-ea"/>
-          <a:cs typeface="+mn-cs"/>
+          <a:latin typeface="Helvetica Neue Medium"/>
+          <a:ea typeface="Helvetica Neue Medium"/>
+          <a:cs typeface="Helvetica Neue Medium"/>
           <a:sym typeface="Helvetica Neue Medium"/>
         </a:defRPr>
       </a:lvl6pPr>
@@ -2381,9 +2419,9 @@
             <a:srgbClr val="000000"/>
           </a:solidFill>
           <a:uFillTx/>
-          <a:latin typeface="+mn-lt"/>
-          <a:ea typeface="+mn-ea"/>
-          <a:cs typeface="+mn-cs"/>
+          <a:latin typeface="Helvetica Neue Medium"/>
+          <a:ea typeface="Helvetica Neue Medium"/>
+          <a:cs typeface="Helvetica Neue Medium"/>
           <a:sym typeface="Helvetica Neue Medium"/>
         </a:defRPr>
       </a:lvl7pPr>
@@ -2407,9 +2445,9 @@
             <a:srgbClr val="000000"/>
           </a:solidFill>
           <a:uFillTx/>
-          <a:latin typeface="+mn-lt"/>
-          <a:ea typeface="+mn-ea"/>
-          <a:cs typeface="+mn-cs"/>
+          <a:latin typeface="Helvetica Neue Medium"/>
+          <a:ea typeface="Helvetica Neue Medium"/>
+          <a:cs typeface="Helvetica Neue Medium"/>
           <a:sym typeface="Helvetica Neue Medium"/>
         </a:defRPr>
       </a:lvl8pPr>
@@ -2433,9 +2471,9 @@
             <a:srgbClr val="000000"/>
           </a:solidFill>
           <a:uFillTx/>
-          <a:latin typeface="+mn-lt"/>
-          <a:ea typeface="+mn-ea"/>
-          <a:cs typeface="+mn-cs"/>
+          <a:latin typeface="Helvetica Neue Medium"/>
+          <a:ea typeface="Helvetica Neue Medium"/>
+          <a:cs typeface="Helvetica Neue Medium"/>
           <a:sym typeface="Helvetica Neue Medium"/>
         </a:defRPr>
       </a:lvl9pPr>
@@ -2461,9 +2499,9 @@
             <a:srgbClr val="000000"/>
           </a:solidFill>
           <a:uFillTx/>
-          <a:latin typeface="Helvetica Neue"/>
-          <a:ea typeface="Helvetica Neue"/>
-          <a:cs typeface="Helvetica Neue"/>
+          <a:latin typeface="+mj-lt"/>
+          <a:ea typeface="+mj-ea"/>
+          <a:cs typeface="+mj-cs"/>
           <a:sym typeface="Helvetica Neue"/>
         </a:defRPr>
       </a:lvl1pPr>
@@ -2487,9 +2525,9 @@
             <a:srgbClr val="000000"/>
           </a:solidFill>
           <a:uFillTx/>
-          <a:latin typeface="Helvetica Neue"/>
-          <a:ea typeface="Helvetica Neue"/>
-          <a:cs typeface="Helvetica Neue"/>
+          <a:latin typeface="+mj-lt"/>
+          <a:ea typeface="+mj-ea"/>
+          <a:cs typeface="+mj-cs"/>
           <a:sym typeface="Helvetica Neue"/>
         </a:defRPr>
       </a:lvl2pPr>
@@ -2513,9 +2551,9 @@
             <a:srgbClr val="000000"/>
           </a:solidFill>
           <a:uFillTx/>
-          <a:latin typeface="Helvetica Neue"/>
-          <a:ea typeface="Helvetica Neue"/>
-          <a:cs typeface="Helvetica Neue"/>
+          <a:latin typeface="+mj-lt"/>
+          <a:ea typeface="+mj-ea"/>
+          <a:cs typeface="+mj-cs"/>
           <a:sym typeface="Helvetica Neue"/>
         </a:defRPr>
       </a:lvl3pPr>
@@ -2539,9 +2577,9 @@
             <a:srgbClr val="000000"/>
           </a:solidFill>
           <a:uFillTx/>
-          <a:latin typeface="Helvetica Neue"/>
-          <a:ea typeface="Helvetica Neue"/>
-          <a:cs typeface="Helvetica Neue"/>
+          <a:latin typeface="+mj-lt"/>
+          <a:ea typeface="+mj-ea"/>
+          <a:cs typeface="+mj-cs"/>
           <a:sym typeface="Helvetica Neue"/>
         </a:defRPr>
       </a:lvl4pPr>
@@ -2565,9 +2603,9 @@
             <a:srgbClr val="000000"/>
           </a:solidFill>
           <a:uFillTx/>
-          <a:latin typeface="Helvetica Neue"/>
-          <a:ea typeface="Helvetica Neue"/>
-          <a:cs typeface="Helvetica Neue"/>
+          <a:latin typeface="+mj-lt"/>
+          <a:ea typeface="+mj-ea"/>
+          <a:cs typeface="+mj-cs"/>
           <a:sym typeface="Helvetica Neue"/>
         </a:defRPr>
       </a:lvl5pPr>
@@ -2591,9 +2629,9 @@
             <a:srgbClr val="000000"/>
           </a:solidFill>
           <a:uFillTx/>
-          <a:latin typeface="Helvetica Neue"/>
-          <a:ea typeface="Helvetica Neue"/>
-          <a:cs typeface="Helvetica Neue"/>
+          <a:latin typeface="+mj-lt"/>
+          <a:ea typeface="+mj-ea"/>
+          <a:cs typeface="+mj-cs"/>
           <a:sym typeface="Helvetica Neue"/>
         </a:defRPr>
       </a:lvl6pPr>
@@ -2617,9 +2655,9 @@
             <a:srgbClr val="000000"/>
           </a:solidFill>
           <a:uFillTx/>
-          <a:latin typeface="Helvetica Neue"/>
-          <a:ea typeface="Helvetica Neue"/>
-          <a:cs typeface="Helvetica Neue"/>
+          <a:latin typeface="+mj-lt"/>
+          <a:ea typeface="+mj-ea"/>
+          <a:cs typeface="+mj-cs"/>
           <a:sym typeface="Helvetica Neue"/>
         </a:defRPr>
       </a:lvl7pPr>
@@ -2643,9 +2681,9 @@
             <a:srgbClr val="000000"/>
           </a:solidFill>
           <a:uFillTx/>
-          <a:latin typeface="Helvetica Neue"/>
-          <a:ea typeface="Helvetica Neue"/>
-          <a:cs typeface="Helvetica Neue"/>
+          <a:latin typeface="+mj-lt"/>
+          <a:ea typeface="+mj-ea"/>
+          <a:cs typeface="+mj-cs"/>
           <a:sym typeface="Helvetica Neue"/>
         </a:defRPr>
       </a:lvl8pPr>
@@ -2669,15 +2707,15 @@
             <a:srgbClr val="000000"/>
           </a:solidFill>
           <a:uFillTx/>
-          <a:latin typeface="Helvetica Neue"/>
-          <a:ea typeface="Helvetica Neue"/>
-          <a:cs typeface="Helvetica Neue"/>
+          <a:latin typeface="+mj-lt"/>
+          <a:ea typeface="+mj-ea"/>
+          <a:cs typeface="+mj-cs"/>
           <a:sym typeface="Helvetica Neue"/>
         </a:defRPr>
       </a:lvl9pPr>
     </p:bodyStyle>
     <p:otherStyle>
-      <a:lvl1pPr marL="0" marR="0" indent="0" algn="ctr" defTabSz="584200" latinLnBrk="0">
+      <a:lvl1pPr marL="0" marR="0" indent="0" algn="ctr" defTabSz="584200" rtl="0" latinLnBrk="0">
         <a:lnSpc>
           <a:spcPct val="100000"/>
         </a:lnSpc>
@@ -2703,7 +2741,7 @@
           <a:sym typeface="Helvetica Neue Light"/>
         </a:defRPr>
       </a:lvl1pPr>
-      <a:lvl2pPr marL="0" marR="0" indent="228600" algn="ctr" defTabSz="584200" latinLnBrk="0">
+      <a:lvl2pPr marL="0" marR="0" indent="0" algn="ctr" defTabSz="584200" rtl="0" latinLnBrk="0">
         <a:lnSpc>
           <a:spcPct val="100000"/>
         </a:lnSpc>
@@ -2729,7 +2767,7 @@
           <a:sym typeface="Helvetica Neue Light"/>
         </a:defRPr>
       </a:lvl2pPr>
-      <a:lvl3pPr marL="0" marR="0" indent="457200" algn="ctr" defTabSz="584200" latinLnBrk="0">
+      <a:lvl3pPr marL="0" marR="0" indent="0" algn="ctr" defTabSz="584200" rtl="0" latinLnBrk="0">
         <a:lnSpc>
           <a:spcPct val="100000"/>
         </a:lnSpc>
@@ -2755,7 +2793,7 @@
           <a:sym typeface="Helvetica Neue Light"/>
         </a:defRPr>
       </a:lvl3pPr>
-      <a:lvl4pPr marL="0" marR="0" indent="685800" algn="ctr" defTabSz="584200" latinLnBrk="0">
+      <a:lvl4pPr marL="0" marR="0" indent="0" algn="ctr" defTabSz="584200" rtl="0" latinLnBrk="0">
         <a:lnSpc>
           <a:spcPct val="100000"/>
         </a:lnSpc>
@@ -2781,7 +2819,7 @@
           <a:sym typeface="Helvetica Neue Light"/>
         </a:defRPr>
       </a:lvl4pPr>
-      <a:lvl5pPr marL="0" marR="0" indent="914400" algn="ctr" defTabSz="584200" latinLnBrk="0">
+      <a:lvl5pPr marL="0" marR="0" indent="0" algn="ctr" defTabSz="584200" rtl="0" latinLnBrk="0">
         <a:lnSpc>
           <a:spcPct val="100000"/>
         </a:lnSpc>
@@ -2807,7 +2845,7 @@
           <a:sym typeface="Helvetica Neue Light"/>
         </a:defRPr>
       </a:lvl5pPr>
-      <a:lvl6pPr marL="0" marR="0" indent="1143000" algn="ctr" defTabSz="584200" latinLnBrk="0">
+      <a:lvl6pPr marL="0" marR="0" indent="0" algn="ctr" defTabSz="584200" rtl="0" latinLnBrk="0">
         <a:lnSpc>
           <a:spcPct val="100000"/>
         </a:lnSpc>
@@ -2833,7 +2871,7 @@
           <a:sym typeface="Helvetica Neue Light"/>
         </a:defRPr>
       </a:lvl6pPr>
-      <a:lvl7pPr marL="0" marR="0" indent="1371600" algn="ctr" defTabSz="584200" latinLnBrk="0">
+      <a:lvl7pPr marL="0" marR="0" indent="0" algn="ctr" defTabSz="584200" rtl="0" latinLnBrk="0">
         <a:lnSpc>
           <a:spcPct val="100000"/>
         </a:lnSpc>
@@ -2859,7 +2897,7 @@
           <a:sym typeface="Helvetica Neue Light"/>
         </a:defRPr>
       </a:lvl7pPr>
-      <a:lvl8pPr marL="0" marR="0" indent="1600200" algn="ctr" defTabSz="584200" latinLnBrk="0">
+      <a:lvl8pPr marL="0" marR="0" indent="0" algn="ctr" defTabSz="584200" rtl="0" latinLnBrk="0">
         <a:lnSpc>
           <a:spcPct val="100000"/>
         </a:lnSpc>
@@ -2885,7 +2923,7 @@
           <a:sym typeface="Helvetica Neue Light"/>
         </a:defRPr>
       </a:lvl8pPr>
-      <a:lvl9pPr marL="0" marR="0" indent="1828800" algn="ctr" defTabSz="584200" latinLnBrk="0">
+      <a:lvl9pPr marL="0" marR="0" indent="0" algn="ctr" defTabSz="584200" rtl="0" latinLnBrk="0">
         <a:lnSpc>
           <a:spcPct val="100000"/>
         </a:lnSpc>
@@ -2974,16 +3012,16 @@
           <a:bodyPr/>
           <a:lstStyle/>
           <a:p>
-            <a:pPr defTabSz="537463">
-              <a:defRPr sz="3404"/>
+            <a:pPr defTabSz="537462">
+              <a:defRPr sz="3400"/>
             </a:pPr>
             <a:r>
               <a:t>- Nidhi Gupta</a:t>
             </a:r>
           </a:p>
           <a:p>
-            <a:pPr defTabSz="537463">
-              <a:defRPr sz="3404"/>
+            <a:pPr defTabSz="537462">
+              <a:defRPr sz="3400"/>
             </a:pPr>
             <a:r>
               <a:t>PES2201900392</a:t>
@@ -3019,57 +3057,7 @@
       </p:grpSpPr>
       <p:sp>
         <p:nvSpPr>
-          <p:cNvPr id="140" name="HOW PESU I/O HELPED ME"/>
-          <p:cNvSpPr txBox="1"/>
-          <p:nvPr>
-            <p:ph type="title"/>
-          </p:nvPr>
-        </p:nvSpPr>
-        <p:spPr>
-          <a:prstGeom prst="rect">
-            <a:avLst/>
-          </a:prstGeom>
-        </p:spPr>
-        <p:txBody>
-          <a:bodyPr/>
-          <a:lstStyle/>
-          <a:p>
-            <a:pPr/>
-            <a:r>
-              <a:t>HOW PESU I/O HELPED ME</a:t>
-            </a:r>
-          </a:p>
-        </p:txBody>
-      </p:sp>
-    </p:spTree>
-  </p:cSld>
-  <p:clrMapOvr>
-    <a:masterClrMapping/>
-  </p:clrMapOvr>
-  <p:transition xmlns:p14="http://schemas.microsoft.com/office/powerpoint/2010/main" spd="med" advClick="1"/>
-</p:sld>
-</file>
-
-<file path=ppt/slides/slide11.xml><?xml version="1.0" encoding="utf-8"?>
-<p:sld xmlns:a="http://schemas.openxmlformats.org/drawingml/2006/main" xmlns:r="http://schemas.openxmlformats.org/officeDocument/2006/relationships" xmlns:p="http://schemas.openxmlformats.org/presentationml/2006/main" xmlns:m="http://schemas.openxmlformats.org/officeDocument/2006/math" xmlns:a14="http://schemas.microsoft.com/office/drawing/2010/main" showMasterSp="1" showMasterPhAnim="1">
-  <p:cSld>
-    <p:spTree>
-      <p:nvGrpSpPr>
-        <p:cNvPr id="1" name=""/>
-        <p:cNvGrpSpPr/>
-        <p:nvPr/>
-      </p:nvGrpSpPr>
-      <p:grpSpPr>
-        <a:xfrm>
-          <a:off x="0" y="0"/>
-          <a:ext cx="0" cy="0"/>
-          <a:chOff x="0" y="0"/>
-          <a:chExt cx="0" cy="0"/>
-        </a:xfrm>
-      </p:grpSpPr>
-      <p:sp>
-        <p:nvSpPr>
-          <p:cNvPr id="142" name="THANK YOU"/>
+          <p:cNvPr id="141" name="THANK YOU"/>
           <p:cNvSpPr txBox="1"/>
           <p:nvPr>
             <p:ph type="title"/>
@@ -3177,8 +3165,8 @@
         </p:nvSpPr>
         <p:spPr>
           <a:xfrm>
-            <a:off x="1270000" y="2535766"/>
-            <a:ext cx="10464800" cy="3302001"/>
+            <a:off x="1270000" y="2535765"/>
+            <a:ext cx="10464800" cy="3302003"/>
           </a:xfrm>
           <a:prstGeom prst="rect">
             <a:avLst/>
@@ -3191,6 +3179,51 @@
             <a:pPr/>
             <a:r>
               <a:t>LOGISTIC REGRESSION </a:t>
+            </a:r>
+          </a:p>
+        </p:txBody>
+      </p:sp>
+      <p:sp>
+        <p:nvSpPr>
+          <p:cNvPr id="125" name="PROJECT TITLE : PREDICTING HOW MANY USERS BOUGHT AN IPHONE"/>
+          <p:cNvSpPr txBox="1"/>
+          <p:nvPr/>
+        </p:nvSpPr>
+        <p:spPr>
+          <a:xfrm>
+            <a:off x="859840" y="6583020"/>
+            <a:ext cx="10777120" cy="461060"/>
+          </a:xfrm>
+          <a:prstGeom prst="rect">
+            <a:avLst/>
+          </a:prstGeom>
+          <a:ln w="12700">
+            <a:miter lim="400000"/>
+          </a:ln>
+          <a:extLst>
+            <a:ext uri="{C572A759-6A51-4108-AA02-DFA0A04FC94B}">
+              <ma14:wrappingTextBoxFlag xmlns:ma14="http://schemas.microsoft.com/office/mac/drawingml/2011/main" val="1"/>
+            </a:ext>
+          </a:extLst>
+        </p:spPr>
+        <p:txBody>
+          <a:bodyPr wrap="none" lIns="50800" tIns="50800" rIns="50800" bIns="50800" anchor="ctr">
+            <a:spAutoFit/>
+          </a:bodyPr>
+          <a:lstStyle>
+            <a:lvl1pPr>
+              <a:defRPr b="1">
+                <a:latin typeface="+mj-lt"/>
+                <a:ea typeface="+mj-ea"/>
+                <a:cs typeface="+mj-cs"/>
+                <a:sym typeface="Helvetica Neue"/>
+              </a:defRPr>
+            </a:lvl1pPr>
+          </a:lstStyle>
+          <a:p>
+            <a:pPr/>
+            <a:r>
+              <a:t>PROJECT TITLE : PREDICTING HOW MANY USERS BOUGHT AN IPHONE</a:t>
             </a:r>
           </a:p>
         </p:txBody>
@@ -3223,7 +3256,7 @@
       </p:grpSpPr>
       <p:sp>
         <p:nvSpPr>
-          <p:cNvPr id="126" name="LOGISTIC REGRESSION vs LINEAR REGRESSION"/>
+          <p:cNvPr id="127" name="LOGISTIC REGRESSION vs LINEAR REGRESSION"/>
           <p:cNvSpPr txBox="1"/>
           <p:nvPr>
             <p:ph type="title"/>
@@ -3238,7 +3271,7 @@
           <a:bodyPr/>
           <a:lstStyle>
             <a:lvl1pPr defTabSz="484886">
-              <a:defRPr sz="6640"/>
+              <a:defRPr sz="6600"/>
             </a:lvl1pPr>
           </a:lstStyle>
           <a:p>
@@ -3251,7 +3284,7 @@
       </p:sp>
       <p:sp>
         <p:nvSpPr>
-          <p:cNvPr id="127" name="Logistic regression predicts categorical outcomes (binomial/multinomial values of y), whereas linear Regression is good for predicting continuous-valued outcomes (such as the weight of a person in kg, the amount of rainfall in cm)."/>
+          <p:cNvPr id="128" name="Logistic regression predicts categorical outcomes (binomial/multinomial values of y), whereas linear Regression is good for predicting continuous-valued outcomes (such as the weight of a person in kg, the amount of rainfall in cm)."/>
           <p:cNvSpPr txBox="1"/>
           <p:nvPr>
             <p:ph type="body" idx="1"/>
@@ -3310,7 +3343,7 @@
       </p:grpSpPr>
       <p:pic>
         <p:nvPicPr>
-          <p:cNvPr id="129" name="IMG-4746.jpg" descr="IMG-4746.jpg"/>
+          <p:cNvPr id="130" name="IMG-4746.jpg" descr="IMG-4746.jpg"/>
           <p:cNvPicPr>
             <a:picLocks noChangeAspect="1"/>
           </p:cNvPicPr>
@@ -3326,8 +3359,8 @@
         </p:blipFill>
         <p:spPr>
           <a:xfrm>
-            <a:off x="0" y="1411812"/>
-            <a:ext cx="13004800" cy="6879176"/>
+            <a:off x="0" y="1411811"/>
+            <a:ext cx="13004800" cy="6879178"/>
           </a:xfrm>
           <a:prstGeom prst="rect">
             <a:avLst/>
@@ -3365,7 +3398,7 @@
       </p:grpSpPr>
       <p:sp>
         <p:nvSpPr>
-          <p:cNvPr id="131" name="LOGISTIC REGRESSION ASSUMPTIONS"/>
+          <p:cNvPr id="132" name="LOGISTIC REGRESSION ASSUMPTIONS"/>
           <p:cNvSpPr txBox="1"/>
           <p:nvPr>
             <p:ph type="title"/>
@@ -3373,8 +3406,8 @@
         </p:nvSpPr>
         <p:spPr>
           <a:xfrm>
-            <a:off x="952500" y="254000"/>
-            <a:ext cx="11099800" cy="1752479"/>
+            <a:off x="952500" y="253999"/>
+            <a:ext cx="11099800" cy="1752481"/>
           </a:xfrm>
           <a:prstGeom prst="rect">
             <a:avLst/>
@@ -3384,10 +3417,10 @@
           <a:bodyPr/>
           <a:lstStyle>
             <a:lvl1pPr algn="l" defTabSz="429768">
-              <a:defRPr b="1" sz="5264">
-                <a:latin typeface="Helvetica Neue"/>
-                <a:ea typeface="Helvetica Neue"/>
-                <a:cs typeface="Helvetica Neue"/>
+              <a:defRPr b="1" sz="5200">
+                <a:latin typeface="+mj-lt"/>
+                <a:ea typeface="+mj-ea"/>
+                <a:cs typeface="+mj-cs"/>
                 <a:sym typeface="Helvetica Neue"/>
               </a:defRPr>
             </a:lvl1pPr>
@@ -3395,14 +3428,14 @@
           <a:p>
             <a:pPr/>
             <a:r>
-              <a:t>LOGISTIC REGRESSION ASSUMPTIONS</a:t>
+              <a:t>LOGISTIC REGRESSION</a:t>
             </a:r>
           </a:p>
         </p:txBody>
       </p:sp>
       <p:sp>
         <p:nvSpPr>
-          <p:cNvPr id="132" name="Logistic Regression is a linear model.…"/>
+          <p:cNvPr id="133" name="Logistic Regression is a linear model.…"/>
           <p:cNvSpPr txBox="1"/>
           <p:nvPr>
             <p:ph type="body" idx="1"/>
@@ -3410,7 +3443,7 @@
         </p:nvSpPr>
         <p:spPr>
           <a:xfrm>
-            <a:off x="952500" y="2103215"/>
+            <a:off x="762000" y="1836515"/>
             <a:ext cx="11099800" cy="6774085"/>
           </a:xfrm>
           <a:prstGeom prst="rect">
@@ -3430,66 +3463,10 @@
               </a:spcBef>
               <a:buSzTx/>
               <a:buNone/>
-              <a:defRPr sz="2233"/>
+              <a:defRPr sz="3900"/>
             </a:pPr>
             <a:r>
               <a:t>Logistic Regression is a linear model. </a:t>
-            </a:r>
-          </a:p>
-          <a:p>
-            <a:pPr marL="185203" indent="-185203" defTabSz="457200">
-              <a:lnSpc>
-                <a:spcPts val="4100"/>
-              </a:lnSpc>
-              <a:spcBef>
-                <a:spcPts val="1200"/>
-              </a:spcBef>
-              <a:defRPr sz="2233"/>
-            </a:pPr>
-            <a:r>
-              <a:t>Binary logistic regression requires the dependent variable to be binary and ordinal logistic regression requires the dependent variable to be ordinal.</a:t>
-            </a:r>
-          </a:p>
-          <a:p>
-            <a:pPr marL="185203" indent="-185203" defTabSz="457200">
-              <a:lnSpc>
-                <a:spcPts val="4100"/>
-              </a:lnSpc>
-              <a:spcBef>
-                <a:spcPts val="1200"/>
-              </a:spcBef>
-              <a:defRPr sz="2233"/>
-            </a:pPr>
-            <a:r>
-              <a:t>Logistic regression requires the observations to be independent of each other. In other words, the observations should not come from repeated measurements or matched data. </a:t>
-            </a:r>
-          </a:p>
-          <a:p>
-            <a:pPr marL="185203" indent="-185203" defTabSz="457200">
-              <a:lnSpc>
-                <a:spcPts val="4100"/>
-              </a:lnSpc>
-              <a:spcBef>
-                <a:spcPts val="1200"/>
-              </a:spcBef>
-              <a:defRPr sz="2233"/>
-            </a:pPr>
-            <a:r>
-              <a:t>Logistic regression requires there to be little or no multicollinearity among the independent variables. This means that the independent variables should not be too highly correlated with each other.</a:t>
-            </a:r>
-          </a:p>
-          <a:p>
-            <a:pPr marL="185203" indent="-185203" defTabSz="457200">
-              <a:lnSpc>
-                <a:spcPts val="4100"/>
-              </a:lnSpc>
-              <a:spcBef>
-                <a:spcPts val="1200"/>
-              </a:spcBef>
-              <a:defRPr sz="2233"/>
-            </a:pPr>
-            <a:r>
-              <a:t>Logistic regression assumes linearity of independent variables and log odds. Although this analysis does not require the dependent and independent variables to be related linearly, it requires that the independent variables are linearly related to the log odds. </a:t>
             </a:r>
           </a:p>
           <a:p>
@@ -3502,7 +3479,7 @@
               </a:spcBef>
               <a:buSzTx/>
               <a:buNone/>
-              <a:defRPr sz="2233"/>
+              <a:defRPr sz="3900"/>
             </a:pPr>
             <a:r>
               <a:t>Note: Logistic Regression can be used for as many independent variables as we want. However we should be aware that we won’t be able to visualize the results in more than 3 dimensions. </a:t>
@@ -3538,7 +3515,7 @@
       </p:grpSpPr>
       <p:pic>
         <p:nvPicPr>
-          <p:cNvPr id="134" name="IMG-4747.jpg" descr="IMG-4747.jpg"/>
+          <p:cNvPr id="135" name="IMG-4747.jpg" descr="IMG-4747.jpg"/>
           <p:cNvPicPr>
             <a:picLocks noChangeAspect="1"/>
           </p:cNvPicPr>
@@ -3554,8 +3531,8 @@
         </p:blipFill>
         <p:spPr>
           <a:xfrm>
-            <a:off x="0" y="1978861"/>
-            <a:ext cx="13004800" cy="5795878"/>
+            <a:off x="0" y="1978860"/>
+            <a:ext cx="13004800" cy="5795880"/>
           </a:xfrm>
           <a:prstGeom prst="rect">
             <a:avLst/>
@@ -3593,7 +3570,7 @@
       </p:grpSpPr>
       <p:sp>
         <p:nvSpPr>
-          <p:cNvPr id="136" name="PROJECT"/>
+          <p:cNvPr id="137" name="PROJECT"/>
           <p:cNvSpPr txBox="1"/>
           <p:nvPr>
             <p:ph type="title"/>
@@ -3643,10 +3620,10 @@
       </p:grpSpPr>
       <p:sp>
         <p:nvSpPr>
-          <p:cNvPr id="138" name="ADVANTAGES:…"/>
+          <p:cNvPr id="139" name="HOW PESU I/O HELPED ME"/>
           <p:cNvSpPr txBox="1"/>
           <p:nvPr>
-            <p:ph type="body" idx="1"/>
+            <p:ph type="title"/>
           </p:nvPr>
         </p:nvSpPr>
         <p:spPr>
@@ -3658,94 +3635,9 @@
           <a:bodyPr/>
           <a:lstStyle/>
           <a:p>
-            <a:pPr marL="0" indent="0" defTabSz="452627">
-              <a:spcBef>
-                <a:spcPts val="0"/>
-              </a:spcBef>
-              <a:buSzTx/>
-              <a:buNone/>
-              <a:defRPr b="1" sz="2574" u="sng"/>
-            </a:pPr>
-            <a:r>
-              <a:t>ADVANTAGES:</a:t>
-            </a:r>
-          </a:p>
-          <a:p>
-            <a:pPr marL="330041" indent="-330041" defTabSz="452627">
-              <a:spcBef>
-                <a:spcPts val="0"/>
-              </a:spcBef>
-              <a:defRPr sz="2574"/>
-            </a:pPr>
-            <a:r>
-              <a:t>It is a widely used technique because it is very efficient, does not require too many computational resources, it’s highly interpretable, it doesn’t require input features to be scaled, it doesn’t require any tuning, it’s easy to regularize, and it outputs well-calibrated predicted probabilities.</a:t>
-            </a:r>
-          </a:p>
-          <a:p>
-            <a:pPr marL="330041" indent="-330041" defTabSz="452627">
-              <a:spcBef>
-                <a:spcPts val="0"/>
-              </a:spcBef>
-              <a:defRPr sz="2574"/>
-            </a:pPr>
-            <a:r>
-              <a:t>Because of its simplicity and the fact that it can be implemented relatively easy and quick, Logistic Regression is also a good baseline that you can use to measure the performance of other more complex Algorithms.</a:t>
-            </a:r>
-          </a:p>
-          <a:p>
-            <a:pPr marL="0" indent="0" defTabSz="452627">
-              <a:spcBef>
-                <a:spcPts val="0"/>
-              </a:spcBef>
-              <a:buSzTx/>
-              <a:buNone/>
-              <a:defRPr sz="2574"/>
-            </a:pPr>
-          </a:p>
-          <a:p>
-            <a:pPr marL="0" indent="0" defTabSz="452627">
-              <a:spcBef>
-                <a:spcPts val="0"/>
-              </a:spcBef>
-              <a:buSzTx/>
-              <a:buNone/>
-              <a:defRPr b="1" sz="2574" u="sng"/>
-            </a:pPr>
-            <a:r>
-              <a:t>DISADVANTAGES: </a:t>
-            </a:r>
-          </a:p>
-          <a:p>
-            <a:pPr marL="330041" indent="-330041" defTabSz="452627">
-              <a:spcBef>
-                <a:spcPts val="0"/>
-              </a:spcBef>
-              <a:defRPr sz="2574"/>
-            </a:pPr>
-            <a:r>
-              <a:t>Logistic Regression is also not one of the most powerful algorithms out there and can be easily outperformed by more complex ones.</a:t>
-            </a:r>
-          </a:p>
-          <a:p>
-            <a:pPr marL="330041" indent="-330041" defTabSz="452627">
-              <a:spcBef>
-                <a:spcPts val="0"/>
-              </a:spcBef>
-              <a:defRPr sz="2574"/>
-            </a:pPr>
-            <a:r>
-              <a:t>We can’t solve non-linear problems with logistic regression since it’s decision surface is linear.</a:t>
-            </a:r>
-          </a:p>
-          <a:p>
-            <a:pPr marL="330041" indent="-330041" defTabSz="452627">
-              <a:spcBef>
-                <a:spcPts val="0"/>
-              </a:spcBef>
-              <a:defRPr sz="2574"/>
-            </a:pPr>
-            <a:r>
-              <a:t>Logistic regression will not perform well with independent variables that are not correlated to the target variable and are very similar or correlated to each other.</a:t>
+            <a:pPr/>
+            <a:r>
+              <a:t>HOW PESU I/O HELPED ME</a:t>
             </a:r>
           </a:p>
         </p:txBody>
@@ -3770,10 +3662,10 @@
         <a:srgbClr val="FFFFFF"/>
       </a:lt1>
       <a:dk2>
-        <a:srgbClr val="5E5E5E"/>
+        <a:srgbClr val="A7A7A7"/>
       </a:dk2>
       <a:lt2>
-        <a:srgbClr val="D6D5D5"/>
+        <a:srgbClr val="535353"/>
       </a:lt2>
       <a:accent1>
         <a:srgbClr val="00A2FF"/>
@@ -3802,14 +3694,14 @@
     </a:clrScheme>
     <a:fontScheme name="White">
       <a:majorFont>
-        <a:latin typeface="Helvetica Neue Medium"/>
-        <a:ea typeface="Helvetica Neue Medium"/>
-        <a:cs typeface="Helvetica Neue Medium"/>
+        <a:latin typeface="Helvetica Neue"/>
+        <a:ea typeface="Helvetica Neue"/>
+        <a:cs typeface="Helvetica Neue"/>
       </a:majorFont>
       <a:minorFont>
-        <a:latin typeface="Helvetica Neue Medium"/>
-        <a:ea typeface="Helvetica Neue Medium"/>
-        <a:cs typeface="Helvetica Neue Medium"/>
+        <a:latin typeface="Helvetica"/>
+        <a:ea typeface="Helvetica"/>
+        <a:cs typeface="Helvetica"/>
       </a:minorFont>
     </a:fontScheme>
     <a:fmtScheme name="White">
@@ -3950,11 +3842,14 @@
     <a:spDef>
       <a:spPr>
         <a:solidFill>
-          <a:schemeClr val="accent1"/>
+          <a:srgbClr val="FFFFFF"/>
         </a:solidFill>
-        <a:ln w="12700" cap="flat">
-          <a:noFill/>
-          <a:miter lim="400000"/>
+        <a:ln w="25400" cap="flat">
+          <a:solidFill>
+            <a:schemeClr val="accent1"/>
+          </a:solidFill>
+          <a:prstDash val="solid"/>
+          <a:round/>
         </a:ln>
         <a:effectLst/>
         <a:sp3d/>
@@ -3978,18 +3873,18 @@
           <a:buFontTx/>
           <a:buNone/>
           <a:tabLst/>
-          <a:defRPr b="0" baseline="0" cap="none" i="0" spc="0" strike="noStrike" sz="2200" u="none" kumimoji="0" normalizeH="0">
-            <a:ln>
-              <a:noFill/>
-            </a:ln>
-            <a:solidFill>
-              <a:srgbClr val="FFFFFF"/>
-            </a:solidFill>
-            <a:effectLst/>
-            <a:uFillTx/>
-            <a:latin typeface="+mn-lt"/>
-            <a:ea typeface="+mn-ea"/>
-            <a:cs typeface="+mn-cs"/>
+          <a:defRPr b="0" baseline="0" cap="none" i="0" spc="0" strike="noStrike" sz="2400" u="none" kumimoji="0" normalizeH="0">
+            <a:ln>
+              <a:noFill/>
+            </a:ln>
+            <a:solidFill>
+              <a:srgbClr val="000000"/>
+            </a:solidFill>
+            <a:effectLst/>
+            <a:uFillTx/>
+            <a:latin typeface="Helvetica Neue Medium"/>
+            <a:ea typeface="Helvetica Neue Medium"/>
+            <a:cs typeface="Helvetica Neue Medium"/>
             <a:sym typeface="Helvetica Neue Medium"/>
           </a:defRPr>
         </a:defPPr>
@@ -4240,10 +4135,10 @@
         <a:noFill/>
         <a:ln w="25400" cap="flat">
           <a:solidFill>
-            <a:srgbClr val="000000"/>
+            <a:schemeClr val="accent1"/>
           </a:solidFill>
           <a:prstDash val="solid"/>
-          <a:miter lim="400000"/>
+          <a:round/>
         </a:ln>
         <a:effectLst/>
         <a:sp3d/>
@@ -4549,19 +4444,19 @@
           <a:buFontTx/>
           <a:buNone/>
           <a:tabLst/>
-          <a:defRPr b="1" baseline="0" cap="none" i="0" spc="0" strike="noStrike" sz="2400" u="none" kumimoji="0" normalizeH="0">
-            <a:ln>
-              <a:noFill/>
-            </a:ln>
-            <a:solidFill>
-              <a:srgbClr val="000000"/>
-            </a:solidFill>
-            <a:effectLst/>
-            <a:uFillTx/>
-            <a:latin typeface="Helvetica Neue"/>
-            <a:ea typeface="Helvetica Neue"/>
-            <a:cs typeface="Helvetica Neue"/>
-            <a:sym typeface="Helvetica Neue"/>
+          <a:defRPr b="0" baseline="0" cap="none" i="0" spc="0" strike="noStrike" sz="2400" u="none" kumimoji="0" normalizeH="0">
+            <a:ln>
+              <a:noFill/>
+            </a:ln>
+            <a:solidFill>
+              <a:srgbClr val="000000"/>
+            </a:solidFill>
+            <a:effectLst/>
+            <a:uFillTx/>
+            <a:latin typeface="Helvetica Neue Medium"/>
+            <a:ea typeface="Helvetica Neue Medium"/>
+            <a:cs typeface="Helvetica Neue Medium"/>
+            <a:sym typeface="Helvetica Neue Medium"/>
           </a:defRPr>
         </a:defPPr>
         <a:lvl1pPr marL="0" marR="0" indent="0" algn="l" defTabSz="914400" rtl="0" fontAlgn="auto" latinLnBrk="1" hangingPunct="0">
@@ -4821,10 +4716,10 @@
         <a:srgbClr val="FFFFFF"/>
       </a:lt1>
       <a:dk2>
-        <a:srgbClr val="5E5E5E"/>
+        <a:srgbClr val="A7A7A7"/>
       </a:dk2>
       <a:lt2>
-        <a:srgbClr val="D6D5D5"/>
+        <a:srgbClr val="535353"/>
       </a:lt2>
       <a:accent1>
         <a:srgbClr val="00A2FF"/>
@@ -4853,14 +4748,14 @@
     </a:clrScheme>
     <a:fontScheme name="White">
       <a:majorFont>
-        <a:latin typeface="Helvetica Neue Medium"/>
-        <a:ea typeface="Helvetica Neue Medium"/>
-        <a:cs typeface="Helvetica Neue Medium"/>
+        <a:latin typeface="Helvetica Neue"/>
+        <a:ea typeface="Helvetica Neue"/>
+        <a:cs typeface="Helvetica Neue"/>
       </a:majorFont>
       <a:minorFont>
-        <a:latin typeface="Helvetica Neue Medium"/>
-        <a:ea typeface="Helvetica Neue Medium"/>
-        <a:cs typeface="Helvetica Neue Medium"/>
+        <a:latin typeface="Helvetica"/>
+        <a:ea typeface="Helvetica"/>
+        <a:cs typeface="Helvetica"/>
       </a:minorFont>
     </a:fontScheme>
     <a:fmtScheme name="White">
@@ -5001,11 +4896,14 @@
     <a:spDef>
       <a:spPr>
         <a:solidFill>
-          <a:schemeClr val="accent1"/>
+          <a:srgbClr val="FFFFFF"/>
         </a:solidFill>
-        <a:ln w="12700" cap="flat">
-          <a:noFill/>
-          <a:miter lim="400000"/>
+        <a:ln w="25400" cap="flat">
+          <a:solidFill>
+            <a:schemeClr val="accent1"/>
+          </a:solidFill>
+          <a:prstDash val="solid"/>
+          <a:round/>
         </a:ln>
         <a:effectLst/>
         <a:sp3d/>
@@ -5029,18 +4927,18 @@
           <a:buFontTx/>
           <a:buNone/>
           <a:tabLst/>
-          <a:defRPr b="0" baseline="0" cap="none" i="0" spc="0" strike="noStrike" sz="2200" u="none" kumimoji="0" normalizeH="0">
-            <a:ln>
-              <a:noFill/>
-            </a:ln>
-            <a:solidFill>
-              <a:srgbClr val="FFFFFF"/>
-            </a:solidFill>
-            <a:effectLst/>
-            <a:uFillTx/>
-            <a:latin typeface="+mn-lt"/>
-            <a:ea typeface="+mn-ea"/>
-            <a:cs typeface="+mn-cs"/>
+          <a:defRPr b="0" baseline="0" cap="none" i="0" spc="0" strike="noStrike" sz="2400" u="none" kumimoji="0" normalizeH="0">
+            <a:ln>
+              <a:noFill/>
+            </a:ln>
+            <a:solidFill>
+              <a:srgbClr val="000000"/>
+            </a:solidFill>
+            <a:effectLst/>
+            <a:uFillTx/>
+            <a:latin typeface="Helvetica Neue Medium"/>
+            <a:ea typeface="Helvetica Neue Medium"/>
+            <a:cs typeface="Helvetica Neue Medium"/>
             <a:sym typeface="Helvetica Neue Medium"/>
           </a:defRPr>
         </a:defPPr>
@@ -5291,10 +5189,10 @@
         <a:noFill/>
         <a:ln w="25400" cap="flat">
           <a:solidFill>
-            <a:srgbClr val="000000"/>
+            <a:schemeClr val="accent1"/>
           </a:solidFill>
           <a:prstDash val="solid"/>
-          <a:miter lim="400000"/>
+          <a:round/>
         </a:ln>
         <a:effectLst/>
         <a:sp3d/>
@@ -5600,19 +5498,19 @@
           <a:buFontTx/>
           <a:buNone/>
           <a:tabLst/>
-          <a:defRPr b="1" baseline="0" cap="none" i="0" spc="0" strike="noStrike" sz="2400" u="none" kumimoji="0" normalizeH="0">
-            <a:ln>
-              <a:noFill/>
-            </a:ln>
-            <a:solidFill>
-              <a:srgbClr val="000000"/>
-            </a:solidFill>
-            <a:effectLst/>
-            <a:uFillTx/>
-            <a:latin typeface="Helvetica Neue"/>
-            <a:ea typeface="Helvetica Neue"/>
-            <a:cs typeface="Helvetica Neue"/>
-            <a:sym typeface="Helvetica Neue"/>
+          <a:defRPr b="0" baseline="0" cap="none" i="0" spc="0" strike="noStrike" sz="2400" u="none" kumimoji="0" normalizeH="0">
+            <a:ln>
+              <a:noFill/>
+            </a:ln>
+            <a:solidFill>
+              <a:srgbClr val="000000"/>
+            </a:solidFill>
+            <a:effectLst/>
+            <a:uFillTx/>
+            <a:latin typeface="Helvetica Neue Medium"/>
+            <a:ea typeface="Helvetica Neue Medium"/>
+            <a:cs typeface="Helvetica Neue Medium"/>
+            <a:sym typeface="Helvetica Neue Medium"/>
           </a:defRPr>
         </a:defPPr>
         <a:lvl1pPr marL="0" marR="0" indent="0" algn="l" defTabSz="914400" rtl="0" fontAlgn="auto" latinLnBrk="1" hangingPunct="0">
